--- a/포트폴리오/2017184030_정의범_포트폴리오.pptx
+++ b/포트폴리오/2017184030_정의범_포트폴리오.pptx
@@ -227,7 +227,7 @@
           <a:p>
             <a:fld id="{025AE22F-4591-4820-8209-48CB95BB9755}" type="datetimeFigureOut">
               <a:rPr lang="ko-KR" altLang="en-US" smtClean="0"/>
-              <a:t>2022-09-18</a:t>
+              <a:t>2022-09-19</a:t>
             </a:fld>
             <a:endParaRPr lang="ko-KR" altLang="en-US"/>
           </a:p>
@@ -673,7 +673,7 @@
           <a:p>
             <a:fld id="{F8166F1F-CE9B-4651-A6AA-CD717754106B}" type="datetimeFigureOut">
               <a:rPr lang="en-US" smtClean="0"/>
-              <a:t>9/18/2022</a:t>
+              <a:t>9/19/2022</a:t>
             </a:fld>
             <a:endParaRPr lang="en-US"/>
           </a:p>
@@ -836,7 +836,7 @@
           <a:p>
             <a:fld id="{A76116CE-C4A3-4A05-B2D7-7C2E9A889C0F}" type="datetimeFigureOut">
               <a:rPr lang="en-US" smtClean="0"/>
-              <a:t>9/18/2022</a:t>
+              <a:t>9/19/2022</a:t>
             </a:fld>
             <a:endParaRPr lang="en-US"/>
           </a:p>
@@ -1009,7 +1009,7 @@
           <a:p>
             <a:fld id="{A76116CE-C4A3-4A05-B2D7-7C2E9A889C0F}" type="datetimeFigureOut">
               <a:rPr lang="en-US" smtClean="0"/>
-              <a:t>9/18/2022</a:t>
+              <a:t>9/19/2022</a:t>
             </a:fld>
             <a:endParaRPr lang="en-US"/>
           </a:p>
@@ -1174,7 +1174,7 @@
           <a:p>
             <a:fld id="{A76116CE-C4A3-4A05-B2D7-7C2E9A889C0F}" type="datetimeFigureOut">
               <a:rPr lang="en-US" smtClean="0"/>
-              <a:t>9/18/2022</a:t>
+              <a:t>9/19/2022</a:t>
             </a:fld>
             <a:endParaRPr lang="en-US"/>
           </a:p>
@@ -1414,7 +1414,7 @@
           <a:p>
             <a:fld id="{A76116CE-C4A3-4A05-B2D7-7C2E9A889C0F}" type="datetimeFigureOut">
               <a:rPr lang="en-US" smtClean="0"/>
-              <a:t>9/18/2022</a:t>
+              <a:t>9/19/2022</a:t>
             </a:fld>
             <a:endParaRPr lang="en-US"/>
           </a:p>
@@ -1694,7 +1694,7 @@
           <a:p>
             <a:fld id="{A76116CE-C4A3-4A05-B2D7-7C2E9A889C0F}" type="datetimeFigureOut">
               <a:rPr lang="en-US" smtClean="0"/>
-              <a:t>9/18/2022</a:t>
+              <a:t>9/19/2022</a:t>
             </a:fld>
             <a:endParaRPr lang="en-US"/>
           </a:p>
@@ -2108,7 +2108,7 @@
           <a:p>
             <a:fld id="{A76116CE-C4A3-4A05-B2D7-7C2E9A889C0F}" type="datetimeFigureOut">
               <a:rPr lang="en-US" smtClean="0"/>
-              <a:t>9/18/2022</a:t>
+              <a:t>9/19/2022</a:t>
             </a:fld>
             <a:endParaRPr lang="en-US"/>
           </a:p>
@@ -2220,7 +2220,7 @@
           <a:p>
             <a:fld id="{A76116CE-C4A3-4A05-B2D7-7C2E9A889C0F}" type="datetimeFigureOut">
               <a:rPr lang="en-US" smtClean="0"/>
-              <a:t>9/18/2022</a:t>
+              <a:t>9/19/2022</a:t>
             </a:fld>
             <a:endParaRPr lang="en-US"/>
           </a:p>
@@ -2310,7 +2310,7 @@
           <a:p>
             <a:fld id="{A76116CE-C4A3-4A05-B2D7-7C2E9A889C0F}" type="datetimeFigureOut">
               <a:rPr lang="en-US" smtClean="0"/>
-              <a:t>9/18/2022</a:t>
+              <a:t>9/19/2022</a:t>
             </a:fld>
             <a:endParaRPr lang="en-US"/>
           </a:p>
@@ -2580,7 +2580,7 @@
           <a:p>
             <a:fld id="{A76116CE-C4A3-4A05-B2D7-7C2E9A889C0F}" type="datetimeFigureOut">
               <a:rPr lang="en-US" smtClean="0"/>
-              <a:t>9/18/2022</a:t>
+              <a:t>9/19/2022</a:t>
             </a:fld>
             <a:endParaRPr lang="en-US"/>
           </a:p>
@@ -2827,7 +2827,7 @@
           <a:p>
             <a:fld id="{A76116CE-C4A3-4A05-B2D7-7C2E9A889C0F}" type="datetimeFigureOut">
               <a:rPr lang="en-US" smtClean="0"/>
-              <a:t>9/18/2022</a:t>
+              <a:t>9/19/2022</a:t>
             </a:fld>
             <a:endParaRPr lang="en-US"/>
           </a:p>
@@ -3033,7 +3033,7 @@
           <a:p>
             <a:fld id="{F8166F1F-CE9B-4651-A6AA-CD717754106B}" type="datetimeFigureOut">
               <a:rPr lang="en-US" smtClean="0"/>
-              <a:t>9/18/2022</a:t>
+              <a:t>9/19/2022</a:t>
             </a:fld>
             <a:endParaRPr lang="en-US"/>
           </a:p>
@@ -4546,6 +4546,47 @@
           </p:spPr>
         </p:pic>
       </p:grpSp>
+      <p:sp>
+        <p:nvSpPr>
+          <p:cNvPr id="2" name="TextBox 1">
+            <a:extLst>
+              <a:ext uri="{FF2B5EF4-FFF2-40B4-BE49-F238E27FC236}">
+                <a16:creationId xmlns:a16="http://schemas.microsoft.com/office/drawing/2014/main" id="{BB603F9D-B9B3-2158-E26C-93D1142ECD8C}"/>
+              </a:ext>
+            </a:extLst>
+          </p:cNvPr>
+          <p:cNvSpPr txBox="1"/>
+          <p:nvPr/>
+        </p:nvSpPr>
+        <p:spPr>
+          <a:xfrm>
+            <a:off x="7729189" y="3467100"/>
+            <a:ext cx="2829621" cy="369332"/>
+          </a:xfrm>
+          <a:prstGeom prst="rect">
+            <a:avLst/>
+          </a:prstGeom>
+          <a:solidFill>
+            <a:srgbClr val="FFFF00"/>
+          </a:solidFill>
+        </p:spPr>
+        <p:txBody>
+          <a:bodyPr wrap="none" rtlCol="0">
+            <a:spAutoFit/>
+          </a:bodyPr>
+          <a:lstStyle/>
+          <a:p>
+            <a:r>
+              <a:rPr lang="ko-KR" altLang="en-US" dirty="0" err="1"/>
+              <a:t>클라이어트에서</a:t>
+            </a:r>
+            <a:r>
+              <a:rPr lang="ko-KR" altLang="en-US" dirty="0"/>
+              <a:t> 패킷 전송</a:t>
+            </a:r>
+          </a:p>
+        </p:txBody>
+      </p:sp>
     </p:spTree>
   </p:cSld>
   <p:clrMapOvr>
@@ -4674,8 +4715,8 @@
         </p:nvGrpSpPr>
         <p:grpSpPr>
           <a:xfrm>
-            <a:off x="1070149" y="2171700"/>
-            <a:ext cx="7172663" cy="5332262"/>
+            <a:off x="1752600" y="2247900"/>
+            <a:ext cx="5483051" cy="5410200"/>
             <a:chOff x="1026067" y="2550440"/>
             <a:chExt cx="6171429" cy="5012328"/>
           </a:xfrm>
@@ -7169,6 +7210,43 @@
           </a:prstGeom>
         </p:spPr>
       </p:pic>
+      <p:sp>
+        <p:nvSpPr>
+          <p:cNvPr id="2" name="TextBox 1">
+            <a:extLst>
+              <a:ext uri="{FF2B5EF4-FFF2-40B4-BE49-F238E27FC236}">
+                <a16:creationId xmlns:a16="http://schemas.microsoft.com/office/drawing/2014/main" id="{56F5C0E0-A69E-CBA5-3A5B-277C1BECB561}"/>
+              </a:ext>
+            </a:extLst>
+          </p:cNvPr>
+          <p:cNvSpPr txBox="1"/>
+          <p:nvPr/>
+        </p:nvSpPr>
+        <p:spPr>
+          <a:xfrm>
+            <a:off x="10363200" y="1916536"/>
+            <a:ext cx="1338828" cy="369332"/>
+          </a:xfrm>
+          <a:prstGeom prst="rect">
+            <a:avLst/>
+          </a:prstGeom>
+          <a:solidFill>
+            <a:srgbClr val="FFFF00"/>
+          </a:solidFill>
+        </p:spPr>
+        <p:txBody>
+          <a:bodyPr wrap="none" rtlCol="0">
+            <a:spAutoFit/>
+          </a:bodyPr>
+          <a:lstStyle/>
+          <a:p>
+            <a:r>
+              <a:rPr lang="ko-KR" altLang="en-US" dirty="0"/>
+              <a:t>클라이언트</a:t>
+            </a:r>
+          </a:p>
+        </p:txBody>
+      </p:sp>
     </p:spTree>
   </p:cSld>
   <p:clrMapOvr>
@@ -7967,6 +8045,44 @@
           </p:spPr>
         </p:pic>
       </p:grpSp>
+      <p:sp>
+        <p:nvSpPr>
+          <p:cNvPr id="2" name="TextBox 1">
+            <a:extLst>
+              <a:ext uri="{FF2B5EF4-FFF2-40B4-BE49-F238E27FC236}">
+                <a16:creationId xmlns:a16="http://schemas.microsoft.com/office/drawing/2014/main" id="{D709D943-6F77-013E-E81F-3CF1CB547CEA}"/>
+              </a:ext>
+            </a:extLst>
+          </p:cNvPr>
+          <p:cNvSpPr txBox="1"/>
+          <p:nvPr/>
+        </p:nvSpPr>
+        <p:spPr>
+          <a:xfrm>
+            <a:off x="12092681" y="2476214"/>
+            <a:ext cx="774636" cy="369332"/>
+          </a:xfrm>
+          <a:prstGeom prst="rect">
+            <a:avLst/>
+          </a:prstGeom>
+          <a:solidFill>
+            <a:srgbClr val="FFFF00"/>
+          </a:solidFill>
+        </p:spPr>
+        <p:txBody>
+          <a:bodyPr wrap="none" rtlCol="0">
+            <a:spAutoFit/>
+          </a:bodyPr>
+          <a:lstStyle/>
+          <a:p>
+            <a:r>
+              <a:rPr lang="en-US" altLang="ko-KR" dirty="0"/>
+              <a:t>C++11</a:t>
+            </a:r>
+            <a:endParaRPr lang="ko-KR" altLang="en-US" dirty="0"/>
+          </a:p>
+        </p:txBody>
+      </p:sp>
     </p:spTree>
   </p:cSld>
   <p:clrMapOvr>

--- a/포트폴리오/2017184030_정의범_포트폴리오.pptx
+++ b/포트폴리오/2017184030_정의범_포트폴리오.pptx
@@ -227,7 +227,7 @@
           <a:p>
             <a:fld id="{025AE22F-4591-4820-8209-48CB95BB9755}" type="datetimeFigureOut">
               <a:rPr lang="ko-KR" altLang="en-US" smtClean="0"/>
-              <a:t>2022-09-19</a:t>
+              <a:t>2022-09-25</a:t>
             </a:fld>
             <a:endParaRPr lang="ko-KR" altLang="en-US"/>
           </a:p>
@@ -673,7 +673,7 @@
           <a:p>
             <a:fld id="{F8166F1F-CE9B-4651-A6AA-CD717754106B}" type="datetimeFigureOut">
               <a:rPr lang="en-US" smtClean="0"/>
-              <a:t>9/19/2022</a:t>
+              <a:t>9/25/2022</a:t>
             </a:fld>
             <a:endParaRPr lang="en-US"/>
           </a:p>
@@ -836,7 +836,7 @@
           <a:p>
             <a:fld id="{A76116CE-C4A3-4A05-B2D7-7C2E9A889C0F}" type="datetimeFigureOut">
               <a:rPr lang="en-US" smtClean="0"/>
-              <a:t>9/19/2022</a:t>
+              <a:t>9/25/2022</a:t>
             </a:fld>
             <a:endParaRPr lang="en-US"/>
           </a:p>
@@ -1009,7 +1009,7 @@
           <a:p>
             <a:fld id="{A76116CE-C4A3-4A05-B2D7-7C2E9A889C0F}" type="datetimeFigureOut">
               <a:rPr lang="en-US" smtClean="0"/>
-              <a:t>9/19/2022</a:t>
+              <a:t>9/25/2022</a:t>
             </a:fld>
             <a:endParaRPr lang="en-US"/>
           </a:p>
@@ -1174,7 +1174,7 @@
           <a:p>
             <a:fld id="{A76116CE-C4A3-4A05-B2D7-7C2E9A889C0F}" type="datetimeFigureOut">
               <a:rPr lang="en-US" smtClean="0"/>
-              <a:t>9/19/2022</a:t>
+              <a:t>9/25/2022</a:t>
             </a:fld>
             <a:endParaRPr lang="en-US"/>
           </a:p>
@@ -1414,7 +1414,7 @@
           <a:p>
             <a:fld id="{A76116CE-C4A3-4A05-B2D7-7C2E9A889C0F}" type="datetimeFigureOut">
               <a:rPr lang="en-US" smtClean="0"/>
-              <a:t>9/19/2022</a:t>
+              <a:t>9/25/2022</a:t>
             </a:fld>
             <a:endParaRPr lang="en-US"/>
           </a:p>
@@ -1694,7 +1694,7 @@
           <a:p>
             <a:fld id="{A76116CE-C4A3-4A05-B2D7-7C2E9A889C0F}" type="datetimeFigureOut">
               <a:rPr lang="en-US" smtClean="0"/>
-              <a:t>9/19/2022</a:t>
+              <a:t>9/25/2022</a:t>
             </a:fld>
             <a:endParaRPr lang="en-US"/>
           </a:p>
@@ -2108,7 +2108,7 @@
           <a:p>
             <a:fld id="{A76116CE-C4A3-4A05-B2D7-7C2E9A889C0F}" type="datetimeFigureOut">
               <a:rPr lang="en-US" smtClean="0"/>
-              <a:t>9/19/2022</a:t>
+              <a:t>9/25/2022</a:t>
             </a:fld>
             <a:endParaRPr lang="en-US"/>
           </a:p>
@@ -2220,7 +2220,7 @@
           <a:p>
             <a:fld id="{A76116CE-C4A3-4A05-B2D7-7C2E9A889C0F}" type="datetimeFigureOut">
               <a:rPr lang="en-US" smtClean="0"/>
-              <a:t>9/19/2022</a:t>
+              <a:t>9/25/2022</a:t>
             </a:fld>
             <a:endParaRPr lang="en-US"/>
           </a:p>
@@ -2310,7 +2310,7 @@
           <a:p>
             <a:fld id="{A76116CE-C4A3-4A05-B2D7-7C2E9A889C0F}" type="datetimeFigureOut">
               <a:rPr lang="en-US" smtClean="0"/>
-              <a:t>9/19/2022</a:t>
+              <a:t>9/25/2022</a:t>
             </a:fld>
             <a:endParaRPr lang="en-US"/>
           </a:p>
@@ -2580,7 +2580,7 @@
           <a:p>
             <a:fld id="{A76116CE-C4A3-4A05-B2D7-7C2E9A889C0F}" type="datetimeFigureOut">
               <a:rPr lang="en-US" smtClean="0"/>
-              <a:t>9/19/2022</a:t>
+              <a:t>9/25/2022</a:t>
             </a:fld>
             <a:endParaRPr lang="en-US"/>
           </a:p>
@@ -2827,7 +2827,7 @@
           <a:p>
             <a:fld id="{A76116CE-C4A3-4A05-B2D7-7C2E9A889C0F}" type="datetimeFigureOut">
               <a:rPr lang="en-US" smtClean="0"/>
-              <a:t>9/19/2022</a:t>
+              <a:t>9/25/2022</a:t>
             </a:fld>
             <a:endParaRPr lang="en-US"/>
           </a:p>
@@ -3033,7 +3033,7 @@
           <a:p>
             <a:fld id="{F8166F1F-CE9B-4651-A6AA-CD717754106B}" type="datetimeFigureOut">
               <a:rPr lang="en-US" smtClean="0"/>
-              <a:t>9/19/2022</a:t>
+              <a:t>9/25/2022</a:t>
             </a:fld>
             <a:endParaRPr lang="en-US"/>
           </a:p>
@@ -10057,12 +10057,12 @@
           <a:lstStyle/>
           <a:p>
             <a:r>
-              <a:rPr lang="en-US" altLang="ko-KR" dirty="0">
+              <a:rPr lang="en-US" altLang="ko-KR">
                 <a:hlinkClick r:id="rId11"/>
               </a:rPr>
-              <a:t>https://github.com/uibeom/SSU_Project</a:t>
-            </a:r>
-            <a:endParaRPr lang="en-US" altLang="ko-KR" dirty="0"/>
+              <a:t>https://github.com/hjs0913/SSU</a:t>
+            </a:r>
+            <a:endParaRPr lang="en-US" altLang="ko-KR"/>
           </a:p>
           <a:p>
             <a:endParaRPr lang="ko-KR" altLang="en-US" dirty="0"/>

--- a/포트폴리오/2017184030_정의범_포트폴리오.pptx
+++ b/포트폴리오/2017184030_정의범_포트폴리오.pptx
@@ -317,7 +317,7 @@
           <a:p>
             <a:fld id="{F8166F1F-CE9B-4651-A6AA-CD717754106B}" type="datetimeFigureOut">
               <a:rPr lang="en-US" smtClean="0"/>
-              <a:t>10/3/2022</a:t>
+              <a:t>11/7/2022</a:t>
             </a:fld>
             <a:endParaRPr lang="en-US"/>
           </a:p>
@@ -480,7 +480,7 @@
           <a:p>
             <a:fld id="{A76116CE-C4A3-4A05-B2D7-7C2E9A889C0F}" type="datetimeFigureOut">
               <a:rPr lang="en-US" smtClean="0"/>
-              <a:t>10/3/2022</a:t>
+              <a:t>11/7/2022</a:t>
             </a:fld>
             <a:endParaRPr lang="en-US"/>
           </a:p>
@@ -653,7 +653,7 @@
           <a:p>
             <a:fld id="{A76116CE-C4A3-4A05-B2D7-7C2E9A889C0F}" type="datetimeFigureOut">
               <a:rPr lang="en-US" smtClean="0"/>
-              <a:t>10/3/2022</a:t>
+              <a:t>11/7/2022</a:t>
             </a:fld>
             <a:endParaRPr lang="en-US"/>
           </a:p>
@@ -818,7 +818,7 @@
           <a:p>
             <a:fld id="{A76116CE-C4A3-4A05-B2D7-7C2E9A889C0F}" type="datetimeFigureOut">
               <a:rPr lang="en-US" smtClean="0"/>
-              <a:t>10/3/2022</a:t>
+              <a:t>11/7/2022</a:t>
             </a:fld>
             <a:endParaRPr lang="en-US"/>
           </a:p>
@@ -1058,7 +1058,7 @@
           <a:p>
             <a:fld id="{A76116CE-C4A3-4A05-B2D7-7C2E9A889C0F}" type="datetimeFigureOut">
               <a:rPr lang="en-US" smtClean="0"/>
-              <a:t>10/3/2022</a:t>
+              <a:t>11/7/2022</a:t>
             </a:fld>
             <a:endParaRPr lang="en-US"/>
           </a:p>
@@ -1338,7 +1338,7 @@
           <a:p>
             <a:fld id="{A76116CE-C4A3-4A05-B2D7-7C2E9A889C0F}" type="datetimeFigureOut">
               <a:rPr lang="en-US" smtClean="0"/>
-              <a:t>10/3/2022</a:t>
+              <a:t>11/7/2022</a:t>
             </a:fld>
             <a:endParaRPr lang="en-US"/>
           </a:p>
@@ -1752,7 +1752,7 @@
           <a:p>
             <a:fld id="{A76116CE-C4A3-4A05-B2D7-7C2E9A889C0F}" type="datetimeFigureOut">
               <a:rPr lang="en-US" smtClean="0"/>
-              <a:t>10/3/2022</a:t>
+              <a:t>11/7/2022</a:t>
             </a:fld>
             <a:endParaRPr lang="en-US"/>
           </a:p>
@@ -1864,7 +1864,7 @@
           <a:p>
             <a:fld id="{A76116CE-C4A3-4A05-B2D7-7C2E9A889C0F}" type="datetimeFigureOut">
               <a:rPr lang="en-US" smtClean="0"/>
-              <a:t>10/3/2022</a:t>
+              <a:t>11/7/2022</a:t>
             </a:fld>
             <a:endParaRPr lang="en-US"/>
           </a:p>
@@ -1954,7 +1954,7 @@
           <a:p>
             <a:fld id="{A76116CE-C4A3-4A05-B2D7-7C2E9A889C0F}" type="datetimeFigureOut">
               <a:rPr lang="en-US" smtClean="0"/>
-              <a:t>10/3/2022</a:t>
+              <a:t>11/7/2022</a:t>
             </a:fld>
             <a:endParaRPr lang="en-US"/>
           </a:p>
@@ -2224,7 +2224,7 @@
           <a:p>
             <a:fld id="{A76116CE-C4A3-4A05-B2D7-7C2E9A889C0F}" type="datetimeFigureOut">
               <a:rPr lang="en-US" smtClean="0"/>
-              <a:t>10/3/2022</a:t>
+              <a:t>11/7/2022</a:t>
             </a:fld>
             <a:endParaRPr lang="en-US"/>
           </a:p>
@@ -2471,7 +2471,7 @@
           <a:p>
             <a:fld id="{A76116CE-C4A3-4A05-B2D7-7C2E9A889C0F}" type="datetimeFigureOut">
               <a:rPr lang="en-US" smtClean="0"/>
-              <a:t>10/3/2022</a:t>
+              <a:t>11/7/2022</a:t>
             </a:fld>
             <a:endParaRPr lang="en-US"/>
           </a:p>
@@ -2677,7 +2677,7 @@
           <a:p>
             <a:fld id="{F8166F1F-CE9B-4651-A6AA-CD717754106B}" type="datetimeFigureOut">
               <a:rPr lang="en-US" smtClean="0"/>
-              <a:t>10/3/2022</a:t>
+              <a:t>11/7/2022</a:t>
             </a:fld>
             <a:endParaRPr lang="en-US"/>
           </a:p>
@@ -3624,7 +3624,13 @@
       </p:pic>
       <p:pic>
         <p:nvPicPr>
-          <p:cNvPr id="20" name="Object 19"/>
+          <p:cNvPr id="2" name="Object 18">
+            <a:extLst>
+              <a:ext uri="{FF2B5EF4-FFF2-40B4-BE49-F238E27FC236}">
+                <a16:creationId xmlns:a16="http://schemas.microsoft.com/office/drawing/2014/main" id="{9DC94B4C-10DD-2068-2683-E2B2D65DE587}"/>
+              </a:ext>
+            </a:extLst>
+          </p:cNvPr>
           <p:cNvPicPr>
             <a:picLocks noChangeAspect="1"/>
           </p:cNvPicPr>
@@ -3638,8 +3644,8 @@
         </p:blipFill>
         <p:spPr>
           <a:xfrm>
-            <a:off x="10046537" y="3188785"/>
-            <a:ext cx="1481444" cy="7098215"/>
+            <a:off x="531143" y="3630620"/>
+            <a:ext cx="5727796" cy="2551244"/>
           </a:xfrm>
           <a:prstGeom prst="rect">
             <a:avLst/>
@@ -3648,10 +3654,10 @@
       </p:pic>
       <p:pic>
         <p:nvPicPr>
-          <p:cNvPr id="2" name="Object 18">
+          <p:cNvPr id="3" name="Object 19">
             <a:extLst>
               <a:ext uri="{FF2B5EF4-FFF2-40B4-BE49-F238E27FC236}">
-                <a16:creationId xmlns:a16="http://schemas.microsoft.com/office/drawing/2014/main" id="{9DC94B4C-10DD-2068-2683-E2B2D65DE587}"/>
+                <a16:creationId xmlns:a16="http://schemas.microsoft.com/office/drawing/2014/main" id="{84F51B1C-DE4A-4F07-5595-4AC7D285CD2A}"/>
               </a:ext>
             </a:extLst>
           </p:cNvPr>
@@ -3668,8 +3674,8 @@
         </p:blipFill>
         <p:spPr>
           <a:xfrm>
-            <a:off x="531143" y="3630620"/>
-            <a:ext cx="5727796" cy="2551244"/>
+            <a:off x="9357903" y="3053739"/>
+            <a:ext cx="8496600" cy="7181286"/>
           </a:xfrm>
           <a:prstGeom prst="rect">
             <a:avLst/>
@@ -11449,10 +11455,10 @@
       </p:pic>
       <p:pic>
         <p:nvPicPr>
-          <p:cNvPr id="3" name="Object 18">
+          <p:cNvPr id="6" name="Object 18">
             <a:extLst>
               <a:ext uri="{FF2B5EF4-FFF2-40B4-BE49-F238E27FC236}">
-                <a16:creationId xmlns:a16="http://schemas.microsoft.com/office/drawing/2014/main" id="{26AA89CF-1666-E15B-4E18-8E40271E89F6}"/>
+                <a16:creationId xmlns:a16="http://schemas.microsoft.com/office/drawing/2014/main" id="{3D69C687-8C42-4D8E-3673-2BFC02C8373E}"/>
               </a:ext>
             </a:extLst>
           </p:cNvPr>
@@ -11469,8 +11475,8 @@
         </p:blipFill>
         <p:spPr>
           <a:xfrm>
-            <a:off x="328752" y="2714891"/>
-            <a:ext cx="17290662" cy="513996"/>
+            <a:off x="328753" y="2713163"/>
+            <a:ext cx="14710967" cy="512186"/>
           </a:xfrm>
           <a:prstGeom prst="rect">
             <a:avLst/>
